--- a/mount-george-modal-python-da.pptx
+++ b/mount-george-modal-python-da.pptx
@@ -114,6 +114,11 @@
       </a:defRPr>
     </a:lvl9pPr>
   </p:defaultTextStyle>
+  <p:extLst>
+    <p:ext uri="{EFAFB233-063F-42B5-8137-9DF3F51BA10A}">
+      <p15:sldGuideLst xmlns:p15="http://schemas.microsoft.com/office/powerpoint/2012/main"/>
+    </p:ext>
+  </p:extLst>
 </p:presentation>
 </file>
 
@@ -199,7 +204,7 @@
           <a:p>
             <a:fld id="{3F7430F5-6946-4E83-95EF-3035294101E8}" type="datetimeFigureOut">
               <a:rPr lang="en-US" smtClean="0"/>
-              <a:t>1/14/2022</a:t>
+              <a:t>1/21/2022</a:t>
             </a:fld>
             <a:endParaRPr lang="en-US"/>
           </a:p>
@@ -697,7 +702,7 @@
           <a:p>
             <a:fld id="{336A0753-44CE-4E56-AED3-61825BE4BA97}" type="datetimeFigureOut">
               <a:rPr lang="en-US" smtClean="0"/>
-              <a:t>1/14/2022</a:t>
+              <a:t>1/21/2022</a:t>
             </a:fld>
             <a:endParaRPr lang="en-US"/>
           </a:p>
@@ -895,7 +900,7 @@
           <a:p>
             <a:fld id="{336A0753-44CE-4E56-AED3-61825BE4BA97}" type="datetimeFigureOut">
               <a:rPr lang="en-US" smtClean="0"/>
-              <a:t>1/14/2022</a:t>
+              <a:t>1/21/2022</a:t>
             </a:fld>
             <a:endParaRPr lang="en-US"/>
           </a:p>
@@ -1103,7 +1108,7 @@
           <a:p>
             <a:fld id="{336A0753-44CE-4E56-AED3-61825BE4BA97}" type="datetimeFigureOut">
               <a:rPr lang="en-US" smtClean="0"/>
-              <a:t>1/14/2022</a:t>
+              <a:t>1/21/2022</a:t>
             </a:fld>
             <a:endParaRPr lang="en-US"/>
           </a:p>
@@ -1301,7 +1306,7 @@
           <a:p>
             <a:fld id="{336A0753-44CE-4E56-AED3-61825BE4BA97}" type="datetimeFigureOut">
               <a:rPr lang="en-US" smtClean="0"/>
-              <a:t>1/14/2022</a:t>
+              <a:t>1/21/2022</a:t>
             </a:fld>
             <a:endParaRPr lang="en-US"/>
           </a:p>
@@ -1576,7 +1581,7 @@
           <a:p>
             <a:fld id="{336A0753-44CE-4E56-AED3-61825BE4BA97}" type="datetimeFigureOut">
               <a:rPr lang="en-US" smtClean="0"/>
-              <a:t>1/14/2022</a:t>
+              <a:t>1/21/2022</a:t>
             </a:fld>
             <a:endParaRPr lang="en-US"/>
           </a:p>
@@ -1841,7 +1846,7 @@
           <a:p>
             <a:fld id="{336A0753-44CE-4E56-AED3-61825BE4BA97}" type="datetimeFigureOut">
               <a:rPr lang="en-US" smtClean="0"/>
-              <a:t>1/14/2022</a:t>
+              <a:t>1/21/2022</a:t>
             </a:fld>
             <a:endParaRPr lang="en-US"/>
           </a:p>
@@ -2253,7 +2258,7 @@
           <a:p>
             <a:fld id="{336A0753-44CE-4E56-AED3-61825BE4BA97}" type="datetimeFigureOut">
               <a:rPr lang="en-US" smtClean="0"/>
-              <a:t>1/14/2022</a:t>
+              <a:t>1/21/2022</a:t>
             </a:fld>
             <a:endParaRPr lang="en-US"/>
           </a:p>
@@ -2394,7 +2399,7 @@
           <a:p>
             <a:fld id="{336A0753-44CE-4E56-AED3-61825BE4BA97}" type="datetimeFigureOut">
               <a:rPr lang="en-US" smtClean="0"/>
-              <a:t>1/14/2022</a:t>
+              <a:t>1/21/2022</a:t>
             </a:fld>
             <a:endParaRPr lang="en-US"/>
           </a:p>
@@ -2507,7 +2512,7 @@
           <a:p>
             <a:fld id="{336A0753-44CE-4E56-AED3-61825BE4BA97}" type="datetimeFigureOut">
               <a:rPr lang="en-US" smtClean="0"/>
-              <a:t>1/14/2022</a:t>
+              <a:t>1/21/2022</a:t>
             </a:fld>
             <a:endParaRPr lang="en-US"/>
           </a:p>
@@ -2818,7 +2823,7 @@
           <a:p>
             <a:fld id="{336A0753-44CE-4E56-AED3-61825BE4BA97}" type="datetimeFigureOut">
               <a:rPr lang="en-US" smtClean="0"/>
-              <a:t>1/14/2022</a:t>
+              <a:t>1/21/2022</a:t>
             </a:fld>
             <a:endParaRPr lang="en-US"/>
           </a:p>
@@ -3106,7 +3111,7 @@
           <a:p>
             <a:fld id="{336A0753-44CE-4E56-AED3-61825BE4BA97}" type="datetimeFigureOut">
               <a:rPr lang="en-US" smtClean="0"/>
-              <a:t>1/14/2022</a:t>
+              <a:t>1/21/2022</a:t>
             </a:fld>
             <a:endParaRPr lang="en-US"/>
           </a:p>
@@ -3347,7 +3352,7 @@
           <a:p>
             <a:fld id="{336A0753-44CE-4E56-AED3-61825BE4BA97}" type="datetimeFigureOut">
               <a:rPr lang="en-US" smtClean="0"/>
-              <a:t>1/14/2022</a:t>
+              <a:t>1/21/2022</a:t>
             </a:fld>
             <a:endParaRPr lang="en-US"/>
           </a:p>
@@ -3867,7 +3872,7 @@
           <a:p>
             <a:r>
               <a:rPr lang="en-US" dirty="0"/>
-              <a:t>What is the data analytics stack?</a:t>
+              <a:t>What is the data analytics stack (without Python)?</a:t>
             </a:r>
           </a:p>
         </p:txBody>
@@ -4453,9 +4458,10 @@
           <a:lstStyle/>
           <a:p>
             <a:r>
-              <a:rPr lang="en-US" dirty="0"/>
-              <a:t>Agenda</a:t>
-            </a:r>
+              <a:rPr lang="en-US"/>
+              <a:t>Coding agenda</a:t>
+            </a:r>
+            <a:endParaRPr lang="en-US" dirty="0"/>
           </a:p>
         </p:txBody>
       </p:sp>
